--- a/agent diagram.pptx
+++ b/agent diagram.pptx
@@ -104,7 +104,489 @@
       </a:defRPr>
     </a:lvl9pPr>
   </p:defaultTextStyle>
+  <p:extLst>
+    <p:ext uri="{EFAFB233-063F-42B5-8137-9DF3F51BA10A}">
+      <p15:sldGuideLst xmlns:p15="http://schemas.microsoft.com/office/powerpoint/2012/main"/>
+    </p:ext>
+  </p:extLst>
 </p:presentation>
+</file>
+
+<file path=ppt/revisionInfo.xml><?xml version="1.0" encoding="utf-8"?>
+<p1510:revInfo xmlns:a="http://schemas.openxmlformats.org/drawingml/2006/main" xmlns:r="http://schemas.openxmlformats.org/officeDocument/2006/relationships" xmlns:p1510="http://schemas.microsoft.com/office/powerpoint/2015/10/main">
+  <p1510:revLst>
+    <p1510:client id="{62CB0B83-97C8-47DC-8570-0F7DCDBA5405}" v="14" dt="2025-01-21T19:14:46.709"/>
+  </p1510:revLst>
+</p1510:revInfo>
+</file>
+
+<file path=ppt/changesInfos/changesInfo1.xml><?xml version="1.0" encoding="utf-8"?>
+<pc:chgInfo xmlns:a="http://schemas.openxmlformats.org/drawingml/2006/main" xmlns:r="http://schemas.openxmlformats.org/officeDocument/2006/relationships" xmlns:ac="http://schemas.microsoft.com/office/drawing/2013/main/command" xmlns:pc="http://schemas.microsoft.com/office/powerpoint/2013/main/command">
+  <pc:docChgLst>
+    <pc:chgData name="Gervasio Ramirez" userId="618ea012289dca19" providerId="LiveId" clId="{62CB0B83-97C8-47DC-8570-0F7DCDBA5405}"/>
+    <pc:docChg chg="undo custSel modSld">
+      <pc:chgData name="Gervasio Ramirez" userId="618ea012289dca19" providerId="LiveId" clId="{62CB0B83-97C8-47DC-8570-0F7DCDBA5405}" dt="2025-01-21T19:15:28.187" v="565" actId="14100"/>
+      <pc:docMkLst>
+        <pc:docMk/>
+      </pc:docMkLst>
+      <pc:sldChg chg="addSp delSp modSp mod">
+        <pc:chgData name="Gervasio Ramirez" userId="618ea012289dca19" providerId="LiveId" clId="{62CB0B83-97C8-47DC-8570-0F7DCDBA5405}" dt="2025-01-21T19:15:28.187" v="565" actId="14100"/>
+        <pc:sldMkLst>
+          <pc:docMk/>
+          <pc:sldMk cId="866778159" sldId="256"/>
+        </pc:sldMkLst>
+        <pc:spChg chg="mod ord">
+          <ac:chgData name="Gervasio Ramirez" userId="618ea012289dca19" providerId="LiveId" clId="{62CB0B83-97C8-47DC-8570-0F7DCDBA5405}" dt="2025-01-21T18:56:07.185" v="404" actId="12789"/>
+          <ac:spMkLst>
+            <pc:docMk/>
+            <pc:sldMk cId="866778159" sldId="256"/>
+            <ac:spMk id="4" creationId="{ED673267-777E-0A62-AF6C-A9DBBB990B1A}"/>
+          </ac:spMkLst>
+        </pc:spChg>
+        <pc:spChg chg="mod">
+          <ac:chgData name="Gervasio Ramirez" userId="618ea012289dca19" providerId="LiveId" clId="{62CB0B83-97C8-47DC-8570-0F7DCDBA5405}" dt="2025-01-21T19:02:18.693" v="545" actId="403"/>
+          <ac:spMkLst>
+            <pc:docMk/>
+            <pc:sldMk cId="866778159" sldId="256"/>
+            <ac:spMk id="5" creationId="{D8FCADB8-32DB-99EB-7F06-57A930B4070B}"/>
+          </ac:spMkLst>
+        </pc:spChg>
+        <pc:spChg chg="mod ord">
+          <ac:chgData name="Gervasio Ramirez" userId="618ea012289dca19" providerId="LiveId" clId="{62CB0B83-97C8-47DC-8570-0F7DCDBA5405}" dt="2025-01-21T19:01:12.945" v="508" actId="14100"/>
+          <ac:spMkLst>
+            <pc:docMk/>
+            <pc:sldMk cId="866778159" sldId="256"/>
+            <ac:spMk id="6" creationId="{1200D03A-C787-F924-804B-8AB521B6BE36}"/>
+          </ac:spMkLst>
+        </pc:spChg>
+        <pc:spChg chg="mod">
+          <ac:chgData name="Gervasio Ramirez" userId="618ea012289dca19" providerId="LiveId" clId="{62CB0B83-97C8-47DC-8570-0F7DCDBA5405}" dt="2025-01-21T18:59:41.594" v="449" actId="1076"/>
+          <ac:spMkLst>
+            <pc:docMk/>
+            <pc:sldMk cId="866778159" sldId="256"/>
+            <ac:spMk id="7" creationId="{601BCD66-BB36-ED4B-CF9A-B95F0A88AD0B}"/>
+          </ac:spMkLst>
+        </pc:spChg>
+        <pc:spChg chg="mod">
+          <ac:chgData name="Gervasio Ramirez" userId="618ea012289dca19" providerId="LiveId" clId="{62CB0B83-97C8-47DC-8570-0F7DCDBA5405}" dt="2025-01-21T19:02:05.271" v="543" actId="1037"/>
+          <ac:spMkLst>
+            <pc:docMk/>
+            <pc:sldMk cId="866778159" sldId="256"/>
+            <ac:spMk id="8" creationId="{892D9791-9EF3-F867-ECF4-91585BB2EEC5}"/>
+          </ac:spMkLst>
+        </pc:spChg>
+        <pc:spChg chg="add mod">
+          <ac:chgData name="Gervasio Ramirez" userId="618ea012289dca19" providerId="LiveId" clId="{62CB0B83-97C8-47DC-8570-0F7DCDBA5405}" dt="2025-01-21T18:49:51.688" v="339" actId="1036"/>
+          <ac:spMkLst>
+            <pc:docMk/>
+            <pc:sldMk cId="866778159" sldId="256"/>
+            <ac:spMk id="13" creationId="{BC2E08B9-1F41-067B-BD81-DD0D0F9C6B21}"/>
+          </ac:spMkLst>
+        </pc:spChg>
+        <pc:spChg chg="add mod">
+          <ac:chgData name="Gervasio Ramirez" userId="618ea012289dca19" providerId="LiveId" clId="{62CB0B83-97C8-47DC-8570-0F7DCDBA5405}" dt="2025-01-21T18:49:51.688" v="339" actId="1036"/>
+          <ac:spMkLst>
+            <pc:docMk/>
+            <pc:sldMk cId="866778159" sldId="256"/>
+            <ac:spMk id="16" creationId="{3F56902E-BF86-EAA5-ACA8-34BA54DDA970}"/>
+          </ac:spMkLst>
+        </pc:spChg>
+        <pc:spChg chg="add mod">
+          <ac:chgData name="Gervasio Ramirez" userId="618ea012289dca19" providerId="LiveId" clId="{62CB0B83-97C8-47DC-8570-0F7DCDBA5405}" dt="2025-01-21T19:02:14.174" v="544" actId="404"/>
+          <ac:spMkLst>
+            <pc:docMk/>
+            <pc:sldMk cId="866778159" sldId="256"/>
+            <ac:spMk id="17" creationId="{76BFF389-81CC-3984-125C-5E59EFDFA356}"/>
+          </ac:spMkLst>
+        </pc:spChg>
+        <pc:spChg chg="add del mod">
+          <ac:chgData name="Gervasio Ramirez" userId="618ea012289dca19" providerId="LiveId" clId="{62CB0B83-97C8-47DC-8570-0F7DCDBA5405}" dt="2025-01-21T19:02:14.174" v="544" actId="404"/>
+          <ac:spMkLst>
+            <pc:docMk/>
+            <pc:sldMk cId="866778159" sldId="256"/>
+            <ac:spMk id="18" creationId="{F3CE2D37-1831-C913-D4D2-6E4169C2E3F5}"/>
+          </ac:spMkLst>
+        </pc:spChg>
+        <pc:spChg chg="mod">
+          <ac:chgData name="Gervasio Ramirez" userId="618ea012289dca19" providerId="LiveId" clId="{62CB0B83-97C8-47DC-8570-0F7DCDBA5405}" dt="2025-01-21T18:58:25.075" v="436" actId="207"/>
+          <ac:spMkLst>
+            <pc:docMk/>
+            <pc:sldMk cId="866778159" sldId="256"/>
+            <ac:spMk id="19" creationId="{974ED296-7F56-D4AC-555B-B7EB68C9FD4B}"/>
+          </ac:spMkLst>
+        </pc:spChg>
+        <pc:spChg chg="add mod">
+          <ac:chgData name="Gervasio Ramirez" userId="618ea012289dca19" providerId="LiveId" clId="{62CB0B83-97C8-47DC-8570-0F7DCDBA5405}" dt="2025-01-21T19:00:47.881" v="483" actId="1076"/>
+          <ac:spMkLst>
+            <pc:docMk/>
+            <pc:sldMk cId="866778159" sldId="256"/>
+            <ac:spMk id="28" creationId="{748CB9E0-310D-0CB1-CB99-66FB154ACB6C}"/>
+          </ac:spMkLst>
+        </pc:spChg>
+        <pc:spChg chg="mod">
+          <ac:chgData name="Gervasio Ramirez" userId="618ea012289dca19" providerId="LiveId" clId="{62CB0B83-97C8-47DC-8570-0F7DCDBA5405}" dt="2025-01-21T18:58:16.113" v="435" actId="208"/>
+          <ac:spMkLst>
+            <pc:docMk/>
+            <pc:sldMk cId="866778159" sldId="256"/>
+            <ac:spMk id="43" creationId="{46F74B84-F9C7-9D0C-7400-BE9E669D5E41}"/>
+          </ac:spMkLst>
+        </pc:spChg>
+        <pc:spChg chg="add del mod">
+          <ac:chgData name="Gervasio Ramirez" userId="618ea012289dca19" providerId="LiveId" clId="{62CB0B83-97C8-47DC-8570-0F7DCDBA5405}" dt="2025-01-21T18:57:54.250" v="432" actId="478"/>
+          <ac:spMkLst>
+            <pc:docMk/>
+            <pc:sldMk cId="866778159" sldId="256"/>
+            <ac:spMk id="67" creationId="{4EFCCEFF-285F-1017-1AA0-90113F356C46}"/>
+          </ac:spMkLst>
+        </pc:spChg>
+        <pc:spChg chg="add del mod">
+          <ac:chgData name="Gervasio Ramirez" userId="618ea012289dca19" providerId="LiveId" clId="{62CB0B83-97C8-47DC-8570-0F7DCDBA5405}" dt="2025-01-21T18:57:53.858" v="431" actId="478"/>
+          <ac:spMkLst>
+            <pc:docMk/>
+            <pc:sldMk cId="866778159" sldId="256"/>
+            <ac:spMk id="72" creationId="{EA897A7C-0E1C-A0B0-4FB3-A981EEFE69E4}"/>
+          </ac:spMkLst>
+        </pc:spChg>
+        <pc:spChg chg="add del mod">
+          <ac:chgData name="Gervasio Ramirez" userId="618ea012289dca19" providerId="LiveId" clId="{62CB0B83-97C8-47DC-8570-0F7DCDBA5405}" dt="2025-01-21T18:57:53.318" v="430" actId="478"/>
+          <ac:spMkLst>
+            <pc:docMk/>
+            <pc:sldMk cId="866778159" sldId="256"/>
+            <ac:spMk id="73" creationId="{BE814F8D-83F1-4381-9245-CAA0164510FC}"/>
+          </ac:spMkLst>
+        </pc:spChg>
+        <pc:spChg chg="add del mod">
+          <ac:chgData name="Gervasio Ramirez" userId="618ea012289dca19" providerId="LiveId" clId="{62CB0B83-97C8-47DC-8570-0F7DCDBA5405}" dt="2025-01-21T18:57:51.995" v="428" actId="478"/>
+          <ac:spMkLst>
+            <pc:docMk/>
+            <pc:sldMk cId="866778159" sldId="256"/>
+            <ac:spMk id="74" creationId="{DFF1B039-8D11-6B6B-2581-0771BC8B0D52}"/>
+          </ac:spMkLst>
+        </pc:spChg>
+        <pc:spChg chg="add del mod">
+          <ac:chgData name="Gervasio Ramirez" userId="618ea012289dca19" providerId="LiveId" clId="{62CB0B83-97C8-47DC-8570-0F7DCDBA5405}" dt="2025-01-21T18:57:52.450" v="429" actId="478"/>
+          <ac:spMkLst>
+            <pc:docMk/>
+            <pc:sldMk cId="866778159" sldId="256"/>
+            <ac:spMk id="75" creationId="{77C4EC42-E9E6-8F3B-1DD6-58370EDE26E0}"/>
+          </ac:spMkLst>
+        </pc:spChg>
+        <pc:picChg chg="add mod modCrop">
+          <ac:chgData name="Gervasio Ramirez" userId="618ea012289dca19" providerId="LiveId" clId="{62CB0B83-97C8-47DC-8570-0F7DCDBA5405}" dt="2025-01-21T19:00:13.072" v="479" actId="12789"/>
+          <ac:picMkLst>
+            <pc:docMk/>
+            <pc:sldMk cId="866778159" sldId="256"/>
+            <ac:picMk id="21" creationId="{44C805FF-8EB4-7943-76FB-DFE4784E99A7}"/>
+          </ac:picMkLst>
+        </pc:picChg>
+        <pc:picChg chg="add mod ord modCrop">
+          <ac:chgData name="Gervasio Ramirez" userId="618ea012289dca19" providerId="LiveId" clId="{62CB0B83-97C8-47DC-8570-0F7DCDBA5405}" dt="2025-01-21T18:49:51.688" v="339" actId="1036"/>
+          <ac:picMkLst>
+            <pc:docMk/>
+            <pc:sldMk cId="866778159" sldId="256"/>
+            <ac:picMk id="23" creationId="{15C20040-6FF8-C692-FEF4-235D2DB59283}"/>
+          </ac:picMkLst>
+        </pc:picChg>
+        <pc:picChg chg="add mod modCrop">
+          <ac:chgData name="Gervasio Ramirez" userId="618ea012289dca19" providerId="LiveId" clId="{62CB0B83-97C8-47DC-8570-0F7DCDBA5405}" dt="2025-01-21T19:01:04.694" v="507" actId="1035"/>
+          <ac:picMkLst>
+            <pc:docMk/>
+            <pc:sldMk cId="866778159" sldId="256"/>
+            <ac:picMk id="26" creationId="{6557F601-89A2-D459-8429-3A3A5FAC30C6}"/>
+          </ac:picMkLst>
+        </pc:picChg>
+        <pc:picChg chg="add mod modCrop">
+          <ac:chgData name="Gervasio Ramirez" userId="618ea012289dca19" providerId="LiveId" clId="{62CB0B83-97C8-47DC-8570-0F7DCDBA5405}" dt="2025-01-21T19:02:05.271" v="543" actId="1037"/>
+          <ac:picMkLst>
+            <pc:docMk/>
+            <pc:sldMk cId="866778159" sldId="256"/>
+            <ac:picMk id="34" creationId="{6BE2C5DF-F34B-8F16-2019-3A690C78DB4F}"/>
+          </ac:picMkLst>
+        </pc:picChg>
+        <pc:cxnChg chg="add del">
+          <ac:chgData name="Gervasio Ramirez" userId="618ea012289dca19" providerId="LiveId" clId="{62CB0B83-97C8-47DC-8570-0F7DCDBA5405}" dt="2025-01-21T19:14:09.830" v="547" actId="478"/>
+          <ac:cxnSpMkLst>
+            <pc:docMk/>
+            <pc:sldMk cId="866778159" sldId="256"/>
+            <ac:cxnSpMk id="3" creationId="{01924C24-54B7-44A4-11F5-0F38FE5FF243}"/>
+          </ac:cxnSpMkLst>
+        </pc:cxnChg>
+        <pc:cxnChg chg="add del mod">
+          <ac:chgData name="Gervasio Ramirez" userId="618ea012289dca19" providerId="LiveId" clId="{62CB0B83-97C8-47DC-8570-0F7DCDBA5405}" dt="2025-01-21T18:52:55.530" v="376" actId="478"/>
+          <ac:cxnSpMkLst>
+            <pc:docMk/>
+            <pc:sldMk cId="866778159" sldId="256"/>
+            <ac:cxnSpMk id="3" creationId="{9AE1A8B4-1DC7-5893-63DF-0169B667D16C}"/>
+          </ac:cxnSpMkLst>
+        </pc:cxnChg>
+        <pc:cxnChg chg="add del mod">
+          <ac:chgData name="Gervasio Ramirez" userId="618ea012289dca19" providerId="LiveId" clId="{62CB0B83-97C8-47DC-8570-0F7DCDBA5405}" dt="2025-01-21T18:52:49.456" v="372" actId="478"/>
+          <ac:cxnSpMkLst>
+            <pc:docMk/>
+            <pc:sldMk cId="866778159" sldId="256"/>
+            <ac:cxnSpMk id="9" creationId="{5C5AED12-768C-6CC8-3690-8B6D3C338D24}"/>
+          </ac:cxnSpMkLst>
+        </pc:cxnChg>
+        <pc:cxnChg chg="add mod">
+          <ac:chgData name="Gervasio Ramirez" userId="618ea012289dca19" providerId="LiveId" clId="{62CB0B83-97C8-47DC-8570-0F7DCDBA5405}" dt="2025-01-21T19:15:28.187" v="565" actId="14100"/>
+          <ac:cxnSpMkLst>
+            <pc:docMk/>
+            <pc:sldMk cId="866778159" sldId="256"/>
+            <ac:cxnSpMk id="9" creationId="{6F6E2767-FBDE-0F6E-BE52-3E7B5B48892D}"/>
+          </ac:cxnSpMkLst>
+        </pc:cxnChg>
+        <pc:cxnChg chg="add mod">
+          <ac:chgData name="Gervasio Ramirez" userId="618ea012289dca19" providerId="LiveId" clId="{62CB0B83-97C8-47DC-8570-0F7DCDBA5405}" dt="2025-01-21T19:15:06.393" v="559" actId="12789"/>
+          <ac:cxnSpMkLst>
+            <pc:docMk/>
+            <pc:sldMk cId="866778159" sldId="256"/>
+            <ac:cxnSpMk id="12" creationId="{DC508102-D728-B14D-9ECC-0234630EB2E2}"/>
+          </ac:cxnSpMkLst>
+        </pc:cxnChg>
+        <pc:cxnChg chg="del mod">
+          <ac:chgData name="Gervasio Ramirez" userId="618ea012289dca19" providerId="LiveId" clId="{62CB0B83-97C8-47DC-8570-0F7DCDBA5405}" dt="2025-01-21T18:43:31.531" v="227" actId="478"/>
+          <ac:cxnSpMkLst>
+            <pc:docMk/>
+            <pc:sldMk cId="866778159" sldId="256"/>
+            <ac:cxnSpMk id="14" creationId="{C08EF4E6-9637-30D2-253E-7C3720364E5A}"/>
+          </ac:cxnSpMkLst>
+        </pc:cxnChg>
+        <pc:cxnChg chg="add mod">
+          <ac:chgData name="Gervasio Ramirez" userId="618ea012289dca19" providerId="LiveId" clId="{62CB0B83-97C8-47DC-8570-0F7DCDBA5405}" dt="2025-01-21T19:15:25.142" v="564" actId="14100"/>
+          <ac:cxnSpMkLst>
+            <pc:docMk/>
+            <pc:sldMk cId="866778159" sldId="256"/>
+            <ac:cxnSpMk id="20" creationId="{BE0DF034-FB93-90D5-7A73-B376F3CA1F0E}"/>
+          </ac:cxnSpMkLst>
+        </pc:cxnChg>
+        <pc:cxnChg chg="add mod">
+          <ac:chgData name="Gervasio Ramirez" userId="618ea012289dca19" providerId="LiveId" clId="{62CB0B83-97C8-47DC-8570-0F7DCDBA5405}" dt="2025-01-21T19:15:10.256" v="561" actId="1037"/>
+          <ac:cxnSpMkLst>
+            <pc:docMk/>
+            <pc:sldMk cId="866778159" sldId="256"/>
+            <ac:cxnSpMk id="22" creationId="{E4B7E3EF-05E2-D03E-742C-51338F2AA9B0}"/>
+          </ac:cxnSpMkLst>
+        </pc:cxnChg>
+        <pc:cxnChg chg="del mod">
+          <ac:chgData name="Gervasio Ramirez" userId="618ea012289dca19" providerId="LiveId" clId="{62CB0B83-97C8-47DC-8570-0F7DCDBA5405}" dt="2025-01-21T18:43:42.087" v="231" actId="478"/>
+          <ac:cxnSpMkLst>
+            <pc:docMk/>
+            <pc:sldMk cId="866778159" sldId="256"/>
+            <ac:cxnSpMk id="25" creationId="{13978A89-95A3-97F6-CDE3-65A9A974CFCE}"/>
+          </ac:cxnSpMkLst>
+        </pc:cxnChg>
+        <pc:cxnChg chg="add del mod">
+          <ac:chgData name="Gervasio Ramirez" userId="618ea012289dca19" providerId="LiveId" clId="{62CB0B83-97C8-47DC-8570-0F7DCDBA5405}" dt="2025-01-21T18:52:45.711" v="367" actId="478"/>
+          <ac:cxnSpMkLst>
+            <pc:docMk/>
+            <pc:sldMk cId="866778159" sldId="256"/>
+            <ac:cxnSpMk id="37" creationId="{419B78ED-BD3A-0A84-605C-1E3C1C3AD8CD}"/>
+          </ac:cxnSpMkLst>
+        </pc:cxnChg>
+        <pc:cxnChg chg="del mod">
+          <ac:chgData name="Gervasio Ramirez" userId="618ea012289dca19" providerId="LiveId" clId="{62CB0B83-97C8-47DC-8570-0F7DCDBA5405}" dt="2025-01-21T18:52:43.376" v="364" actId="478"/>
+          <ac:cxnSpMkLst>
+            <pc:docMk/>
+            <pc:sldMk cId="866778159" sldId="256"/>
+            <ac:cxnSpMk id="38" creationId="{820A2F5D-9593-DE7D-C144-CFC65CF2E14D}"/>
+          </ac:cxnSpMkLst>
+        </pc:cxnChg>
+        <pc:cxnChg chg="add del mod">
+          <ac:chgData name="Gervasio Ramirez" userId="618ea012289dca19" providerId="LiveId" clId="{62CB0B83-97C8-47DC-8570-0F7DCDBA5405}" dt="2025-01-21T18:48:40.869" v="320" actId="478"/>
+          <ac:cxnSpMkLst>
+            <pc:docMk/>
+            <pc:sldMk cId="866778159" sldId="256"/>
+            <ac:cxnSpMk id="39" creationId="{20F3480B-CFCC-AB56-6356-3EA315D3C1F6}"/>
+          </ac:cxnSpMkLst>
+        </pc:cxnChg>
+        <pc:cxnChg chg="del mod">
+          <ac:chgData name="Gervasio Ramirez" userId="618ea012289dca19" providerId="LiveId" clId="{62CB0B83-97C8-47DC-8570-0F7DCDBA5405}" dt="2025-01-21T18:52:42.706" v="363" actId="478"/>
+          <ac:cxnSpMkLst>
+            <pc:docMk/>
+            <pc:sldMk cId="866778159" sldId="256"/>
+            <ac:cxnSpMk id="40" creationId="{BF0C02F0-9198-61A4-F401-87ED3D78D690}"/>
+          </ac:cxnSpMkLst>
+        </pc:cxnChg>
+        <pc:cxnChg chg="del mod">
+          <ac:chgData name="Gervasio Ramirez" userId="618ea012289dca19" providerId="LiveId" clId="{62CB0B83-97C8-47DC-8570-0F7DCDBA5405}" dt="2025-01-21T18:52:41.033" v="361" actId="478"/>
+          <ac:cxnSpMkLst>
+            <pc:docMk/>
+            <pc:sldMk cId="866778159" sldId="256"/>
+            <ac:cxnSpMk id="41" creationId="{621CC202-0474-2AC2-8A55-B1761F4E1A40}"/>
+          </ac:cxnSpMkLst>
+        </pc:cxnChg>
+        <pc:cxnChg chg="del mod">
+          <ac:chgData name="Gervasio Ramirez" userId="618ea012289dca19" providerId="LiveId" clId="{62CB0B83-97C8-47DC-8570-0F7DCDBA5405}" dt="2025-01-21T18:52:41.949" v="362" actId="478"/>
+          <ac:cxnSpMkLst>
+            <pc:docMk/>
+            <pc:sldMk cId="866778159" sldId="256"/>
+            <ac:cxnSpMk id="42" creationId="{41455D92-654A-32C4-96E3-394DC8D2E813}"/>
+          </ac:cxnSpMkLst>
+        </pc:cxnChg>
+        <pc:cxnChg chg="add del mod">
+          <ac:chgData name="Gervasio Ramirez" userId="618ea012289dca19" providerId="LiveId" clId="{62CB0B83-97C8-47DC-8570-0F7DCDBA5405}" dt="2025-01-21T18:52:45.010" v="366" actId="478"/>
+          <ac:cxnSpMkLst>
+            <pc:docMk/>
+            <pc:sldMk cId="866778159" sldId="256"/>
+            <ac:cxnSpMk id="46" creationId="{4C21E981-40F5-E971-8C34-47AA055B9302}"/>
+          </ac:cxnSpMkLst>
+        </pc:cxnChg>
+        <pc:cxnChg chg="add del mod">
+          <ac:chgData name="Gervasio Ramirez" userId="618ea012289dca19" providerId="LiveId" clId="{62CB0B83-97C8-47DC-8570-0F7DCDBA5405}" dt="2025-01-21T18:52:44.133" v="365" actId="478"/>
+          <ac:cxnSpMkLst>
+            <pc:docMk/>
+            <pc:sldMk cId="866778159" sldId="256"/>
+            <ac:cxnSpMk id="51" creationId="{051D670E-61EB-9AD6-4A57-B265650F5CB6}"/>
+          </ac:cxnSpMkLst>
+        </pc:cxnChg>
+        <pc:cxnChg chg="add del mod">
+          <ac:chgData name="Gervasio Ramirez" userId="618ea012289dca19" providerId="LiveId" clId="{62CB0B83-97C8-47DC-8570-0F7DCDBA5405}" dt="2025-01-21T18:51:15.404" v="348" actId="478"/>
+          <ac:cxnSpMkLst>
+            <pc:docMk/>
+            <pc:sldMk cId="866778159" sldId="256"/>
+            <ac:cxnSpMk id="56" creationId="{ADDF1C6B-2163-0447-3718-D8DCAF719520}"/>
+          </ac:cxnSpMkLst>
+        </pc:cxnChg>
+        <pc:cxnChg chg="add del mod">
+          <ac:chgData name="Gervasio Ramirez" userId="618ea012289dca19" providerId="LiveId" clId="{62CB0B83-97C8-47DC-8570-0F7DCDBA5405}" dt="2025-01-21T18:52:47.001" v="370" actId="478"/>
+          <ac:cxnSpMkLst>
+            <pc:docMk/>
+            <pc:sldMk cId="866778159" sldId="256"/>
+            <ac:cxnSpMk id="57" creationId="{ABBD02BB-A1BE-4896-DD18-0A64DCD9303E}"/>
+          </ac:cxnSpMkLst>
+        </pc:cxnChg>
+        <pc:cxnChg chg="add del mod">
+          <ac:chgData name="Gervasio Ramirez" userId="618ea012289dca19" providerId="LiveId" clId="{62CB0B83-97C8-47DC-8570-0F7DCDBA5405}" dt="2025-01-21T18:52:46.544" v="369" actId="478"/>
+          <ac:cxnSpMkLst>
+            <pc:docMk/>
+            <pc:sldMk cId="866778159" sldId="256"/>
+            <ac:cxnSpMk id="58" creationId="{3A58FE08-B080-D49E-3648-D4A87AC7E6D0}"/>
+          </ac:cxnSpMkLst>
+        </pc:cxnChg>
+        <pc:cxnChg chg="add del mod">
+          <ac:chgData name="Gervasio Ramirez" userId="618ea012289dca19" providerId="LiveId" clId="{62CB0B83-97C8-47DC-8570-0F7DCDBA5405}" dt="2025-01-21T18:52:47.825" v="371" actId="478"/>
+          <ac:cxnSpMkLst>
+            <pc:docMk/>
+            <pc:sldMk cId="866778159" sldId="256"/>
+            <ac:cxnSpMk id="60" creationId="{A49A693A-4352-3885-8EC2-291831D88FD4}"/>
+          </ac:cxnSpMkLst>
+        </pc:cxnChg>
+        <pc:cxnChg chg="add del">
+          <ac:chgData name="Gervasio Ramirez" userId="618ea012289dca19" providerId="LiveId" clId="{62CB0B83-97C8-47DC-8570-0F7DCDBA5405}" dt="2025-01-21T18:54:09.261" v="386" actId="478"/>
+          <ac:cxnSpMkLst>
+            <pc:docMk/>
+            <pc:sldMk cId="866778159" sldId="256"/>
+            <ac:cxnSpMk id="69" creationId="{948AA185-1526-FFA5-6992-7936B01F1FE8}"/>
+          </ac:cxnSpMkLst>
+        </pc:cxnChg>
+        <pc:cxnChg chg="add del mod">
+          <ac:chgData name="Gervasio Ramirez" userId="618ea012289dca19" providerId="LiveId" clId="{62CB0B83-97C8-47DC-8570-0F7DCDBA5405}" dt="2025-01-21T18:54:28.563" v="388" actId="478"/>
+          <ac:cxnSpMkLst>
+            <pc:docMk/>
+            <pc:sldMk cId="866778159" sldId="256"/>
+            <ac:cxnSpMk id="71" creationId="{57820F80-2869-FEE4-DC5C-A1408178056A}"/>
+          </ac:cxnSpMkLst>
+        </pc:cxnChg>
+        <pc:cxnChg chg="add mod">
+          <ac:chgData name="Gervasio Ramirez" userId="618ea012289dca19" providerId="LiveId" clId="{62CB0B83-97C8-47DC-8570-0F7DCDBA5405}" dt="2025-01-21T18:58:08.654" v="434" actId="1582"/>
+          <ac:cxnSpMkLst>
+            <pc:docMk/>
+            <pc:sldMk cId="866778159" sldId="256"/>
+            <ac:cxnSpMk id="77" creationId="{462F457A-F93B-D100-BD4B-8A3BD26FD8C4}"/>
+          </ac:cxnSpMkLst>
+        </pc:cxnChg>
+        <pc:cxnChg chg="add mod">
+          <ac:chgData name="Gervasio Ramirez" userId="618ea012289dca19" providerId="LiveId" clId="{62CB0B83-97C8-47DC-8570-0F7DCDBA5405}" dt="2025-01-21T18:58:08.654" v="434" actId="1582"/>
+          <ac:cxnSpMkLst>
+            <pc:docMk/>
+            <pc:sldMk cId="866778159" sldId="256"/>
+            <ac:cxnSpMk id="79" creationId="{0F6CA09C-EAC7-7E3D-AC8A-35B77F9BFE64}"/>
+          </ac:cxnSpMkLst>
+        </pc:cxnChg>
+        <pc:cxnChg chg="add del mod">
+          <ac:chgData name="Gervasio Ramirez" userId="618ea012289dca19" providerId="LiveId" clId="{62CB0B83-97C8-47DC-8570-0F7DCDBA5405}" dt="2025-01-21T18:55:49.962" v="402" actId="478"/>
+          <ac:cxnSpMkLst>
+            <pc:docMk/>
+            <pc:sldMk cId="866778159" sldId="256"/>
+            <ac:cxnSpMk id="81" creationId="{B5F5C6F4-6725-006D-790E-242C379A181C}"/>
+          </ac:cxnSpMkLst>
+        </pc:cxnChg>
+        <pc:cxnChg chg="add del mod">
+          <ac:chgData name="Gervasio Ramirez" userId="618ea012289dca19" providerId="LiveId" clId="{62CB0B83-97C8-47DC-8570-0F7DCDBA5405}" dt="2025-01-21T18:56:26.519" v="406" actId="478"/>
+          <ac:cxnSpMkLst>
+            <pc:docMk/>
+            <pc:sldMk cId="866778159" sldId="256"/>
+            <ac:cxnSpMk id="83" creationId="{A0725BFF-A768-53E8-AD31-5C967C4F2D28}"/>
+          </ac:cxnSpMkLst>
+        </pc:cxnChg>
+        <pc:cxnChg chg="add mod">
+          <ac:chgData name="Gervasio Ramirez" userId="618ea012289dca19" providerId="LiveId" clId="{62CB0B83-97C8-47DC-8570-0F7DCDBA5405}" dt="2025-01-21T19:01:43.477" v="518" actId="14100"/>
+          <ac:cxnSpMkLst>
+            <pc:docMk/>
+            <pc:sldMk cId="866778159" sldId="256"/>
+            <ac:cxnSpMk id="85" creationId="{EAF5C773-3ACA-B370-0478-B32B097ED937}"/>
+          </ac:cxnSpMkLst>
+        </pc:cxnChg>
+        <pc:cxnChg chg="add mod">
+          <ac:chgData name="Gervasio Ramirez" userId="618ea012289dca19" providerId="LiveId" clId="{62CB0B83-97C8-47DC-8570-0F7DCDBA5405}" dt="2025-01-21T19:01:23.112" v="511" actId="14100"/>
+          <ac:cxnSpMkLst>
+            <pc:docMk/>
+            <pc:sldMk cId="866778159" sldId="256"/>
+            <ac:cxnSpMk id="87" creationId="{C8A290FC-8338-C7C7-93BF-3FD02932B181}"/>
+          </ac:cxnSpMkLst>
+        </pc:cxnChg>
+        <pc:cxnChg chg="add del mod">
+          <ac:chgData name="Gervasio Ramirez" userId="618ea012289dca19" providerId="LiveId" clId="{62CB0B83-97C8-47DC-8570-0F7DCDBA5405}" dt="2025-01-21T18:57:26.936" v="419" actId="11529"/>
+          <ac:cxnSpMkLst>
+            <pc:docMk/>
+            <pc:sldMk cId="866778159" sldId="256"/>
+            <ac:cxnSpMk id="89" creationId="{239B6836-5BA1-F096-87B5-448DF3EA794A}"/>
+          </ac:cxnSpMkLst>
+        </pc:cxnChg>
+        <pc:cxnChg chg="add mod">
+          <ac:chgData name="Gervasio Ramirez" userId="618ea012289dca19" providerId="LiveId" clId="{62CB0B83-97C8-47DC-8570-0F7DCDBA5405}" dt="2025-01-21T19:01:21.605" v="510" actId="14100"/>
+          <ac:cxnSpMkLst>
+            <pc:docMk/>
+            <pc:sldMk cId="866778159" sldId="256"/>
+            <ac:cxnSpMk id="92" creationId="{3367D25A-736B-41A1-FD38-0D506C268F66}"/>
+          </ac:cxnSpMkLst>
+        </pc:cxnChg>
+        <pc:cxnChg chg="add mod">
+          <ac:chgData name="Gervasio Ramirez" userId="618ea012289dca19" providerId="LiveId" clId="{62CB0B83-97C8-47DC-8570-0F7DCDBA5405}" dt="2025-01-21T19:01:41.017" v="517" actId="14100"/>
+          <ac:cxnSpMkLst>
+            <pc:docMk/>
+            <pc:sldMk cId="866778159" sldId="256"/>
+            <ac:cxnSpMk id="94" creationId="{D8E4E536-040A-8140-C614-3D6955628FAD}"/>
+          </ac:cxnSpMkLst>
+        </pc:cxnChg>
+        <pc:cxnChg chg="add del mod">
+          <ac:chgData name="Gervasio Ramirez" userId="618ea012289dca19" providerId="LiveId" clId="{62CB0B83-97C8-47DC-8570-0F7DCDBA5405}" dt="2025-01-21T18:58:37.348" v="439" actId="478"/>
+          <ac:cxnSpMkLst>
+            <pc:docMk/>
+            <pc:sldMk cId="866778159" sldId="256"/>
+            <ac:cxnSpMk id="95" creationId="{4683157C-EBAE-0206-69D7-DCA47A71B36B}"/>
+          </ac:cxnSpMkLst>
+        </pc:cxnChg>
+        <pc:cxnChg chg="add mod">
+          <ac:chgData name="Gervasio Ramirez" userId="618ea012289dca19" providerId="LiveId" clId="{62CB0B83-97C8-47DC-8570-0F7DCDBA5405}" dt="2025-01-21T19:01:12.945" v="508" actId="14100"/>
+          <ac:cxnSpMkLst>
+            <pc:docMk/>
+            <pc:sldMk cId="866778159" sldId="256"/>
+            <ac:cxnSpMk id="98" creationId="{A64F144E-E1DD-8596-7BE5-D7845E224D71}"/>
+          </ac:cxnSpMkLst>
+        </pc:cxnChg>
+        <pc:cxnChg chg="add mod">
+          <ac:chgData name="Gervasio Ramirez" userId="618ea012289dca19" providerId="LiveId" clId="{62CB0B83-97C8-47DC-8570-0F7DCDBA5405}" dt="2025-01-21T18:59:00.875" v="443" actId="1582"/>
+          <ac:cxnSpMkLst>
+            <pc:docMk/>
+            <pc:sldMk cId="866778159" sldId="256"/>
+            <ac:cxnSpMk id="100" creationId="{7A65B4D6-1B93-2BDD-FC87-59C7CDBF6EE5}"/>
+          </ac:cxnSpMkLst>
+        </pc:cxnChg>
+      </pc:sldChg>
+    </pc:docChg>
+  </pc:docChgLst>
+</pc:chgInfo>
 </file>
 
 <file path=ppt/slideLayouts/slideLayout1.xml><?xml version="1.0" encoding="utf-8"?>
@@ -254,7 +736,7 @@
           <a:p>
             <a:fld id="{9E2E346E-2592-4149-98BC-AF47B8234FEE}" type="datetimeFigureOut">
               <a:rPr lang="en-GB" smtClean="0"/>
-              <a:t>20/01/2025</a:t>
+              <a:t>21/01/2025</a:t>
             </a:fld>
             <a:endParaRPr lang="en-GB"/>
           </a:p>
@@ -452,7 +934,7 @@
           <a:p>
             <a:fld id="{9E2E346E-2592-4149-98BC-AF47B8234FEE}" type="datetimeFigureOut">
               <a:rPr lang="en-GB" smtClean="0"/>
-              <a:t>20/01/2025</a:t>
+              <a:t>21/01/2025</a:t>
             </a:fld>
             <a:endParaRPr lang="en-GB"/>
           </a:p>
@@ -660,7 +1142,7 @@
           <a:p>
             <a:fld id="{9E2E346E-2592-4149-98BC-AF47B8234FEE}" type="datetimeFigureOut">
               <a:rPr lang="en-GB" smtClean="0"/>
-              <a:t>20/01/2025</a:t>
+              <a:t>21/01/2025</a:t>
             </a:fld>
             <a:endParaRPr lang="en-GB"/>
           </a:p>
@@ -858,7 +1340,7 @@
           <a:p>
             <a:fld id="{9E2E346E-2592-4149-98BC-AF47B8234FEE}" type="datetimeFigureOut">
               <a:rPr lang="en-GB" smtClean="0"/>
-              <a:t>20/01/2025</a:t>
+              <a:t>21/01/2025</a:t>
             </a:fld>
             <a:endParaRPr lang="en-GB"/>
           </a:p>
@@ -1133,7 +1615,7 @@
           <a:p>
             <a:fld id="{9E2E346E-2592-4149-98BC-AF47B8234FEE}" type="datetimeFigureOut">
               <a:rPr lang="en-GB" smtClean="0"/>
-              <a:t>20/01/2025</a:t>
+              <a:t>21/01/2025</a:t>
             </a:fld>
             <a:endParaRPr lang="en-GB"/>
           </a:p>
@@ -1398,7 +1880,7 @@
           <a:p>
             <a:fld id="{9E2E346E-2592-4149-98BC-AF47B8234FEE}" type="datetimeFigureOut">
               <a:rPr lang="en-GB" smtClean="0"/>
-              <a:t>20/01/2025</a:t>
+              <a:t>21/01/2025</a:t>
             </a:fld>
             <a:endParaRPr lang="en-GB"/>
           </a:p>
@@ -1810,7 +2292,7 @@
           <a:p>
             <a:fld id="{9E2E346E-2592-4149-98BC-AF47B8234FEE}" type="datetimeFigureOut">
               <a:rPr lang="en-GB" smtClean="0"/>
-              <a:t>20/01/2025</a:t>
+              <a:t>21/01/2025</a:t>
             </a:fld>
             <a:endParaRPr lang="en-GB"/>
           </a:p>
@@ -1951,7 +2433,7 @@
           <a:p>
             <a:fld id="{9E2E346E-2592-4149-98BC-AF47B8234FEE}" type="datetimeFigureOut">
               <a:rPr lang="en-GB" smtClean="0"/>
-              <a:t>20/01/2025</a:t>
+              <a:t>21/01/2025</a:t>
             </a:fld>
             <a:endParaRPr lang="en-GB"/>
           </a:p>
@@ -2064,7 +2546,7 @@
           <a:p>
             <a:fld id="{9E2E346E-2592-4149-98BC-AF47B8234FEE}" type="datetimeFigureOut">
               <a:rPr lang="en-GB" smtClean="0"/>
-              <a:t>20/01/2025</a:t>
+              <a:t>21/01/2025</a:t>
             </a:fld>
             <a:endParaRPr lang="en-GB"/>
           </a:p>
@@ -2375,7 +2857,7 @@
           <a:p>
             <a:fld id="{9E2E346E-2592-4149-98BC-AF47B8234FEE}" type="datetimeFigureOut">
               <a:rPr lang="en-GB" smtClean="0"/>
-              <a:t>20/01/2025</a:t>
+              <a:t>21/01/2025</a:t>
             </a:fld>
             <a:endParaRPr lang="en-GB"/>
           </a:p>
@@ -2663,7 +3145,7 @@
           <a:p>
             <a:fld id="{9E2E346E-2592-4149-98BC-AF47B8234FEE}" type="datetimeFigureOut">
               <a:rPr lang="en-GB" smtClean="0"/>
-              <a:t>20/01/2025</a:t>
+              <a:t>21/01/2025</a:t>
             </a:fld>
             <a:endParaRPr lang="en-GB"/>
           </a:p>
@@ -2904,7 +3386,7 @@
           <a:p>
             <a:fld id="{9E2E346E-2592-4149-98BC-AF47B8234FEE}" type="datetimeFigureOut">
               <a:rPr lang="en-GB" smtClean="0"/>
-              <a:t>20/01/2025</a:t>
+              <a:t>21/01/2025</a:t>
             </a:fld>
             <a:endParaRPr lang="en-GB"/>
           </a:p>
@@ -3323,10 +3805,10 @@
       </p:grpSpPr>
       <p:sp>
         <p:nvSpPr>
-          <p:cNvPr id="43" name="Rectangle 42">
-            <a:extLst>
-              <a:ext uri="{FF2B5EF4-FFF2-40B4-BE49-F238E27FC236}">
-                <a16:creationId xmlns:a16="http://schemas.microsoft.com/office/drawing/2014/main" id="{46F74B84-F9C7-9D0C-7400-BE9E669D5E41}"/>
+          <p:cNvPr id="6" name="Rectangle: Rounded Corners 5">
+            <a:extLst>
+              <a:ext uri="{FF2B5EF4-FFF2-40B4-BE49-F238E27FC236}">
+                <a16:creationId xmlns:a16="http://schemas.microsoft.com/office/drawing/2014/main" id="{1200D03A-C787-F924-804B-8AB521B6BE36}"/>
               </a:ext>
             </a:extLst>
           </p:cNvPr>
@@ -3335,13 +3817,76 @@
         </p:nvSpPr>
         <p:spPr>
           <a:xfrm>
-            <a:off x="3785616" y="338328"/>
-            <a:ext cx="4078224" cy="3849624"/>
+            <a:off x="4090129" y="4170650"/>
+            <a:ext cx="3345001" cy="831336"/>
           </a:xfrm>
-          <a:prstGeom prst="rect">
-            <a:avLst/>
+          <a:prstGeom prst="roundRect">
+            <a:avLst>
+              <a:gd name="adj" fmla="val 6635"/>
+            </a:avLst>
           </a:prstGeom>
-          <a:ln/>
+          <a:ln>
+            <a:solidFill>
+              <a:schemeClr val="tx1"/>
+            </a:solidFill>
+          </a:ln>
+        </p:spPr>
+        <p:style>
+          <a:lnRef idx="2">
+            <a:schemeClr val="dk1"/>
+          </a:lnRef>
+          <a:fillRef idx="1">
+            <a:schemeClr val="lt1"/>
+          </a:fillRef>
+          <a:effectRef idx="0">
+            <a:schemeClr val="dk1"/>
+          </a:effectRef>
+          <a:fontRef idx="minor">
+            <a:schemeClr val="dk1"/>
+          </a:fontRef>
+        </p:style>
+        <p:txBody>
+          <a:bodyPr rtlCol="0" anchor="ctr"/>
+          <a:lstStyle/>
+          <a:p>
+            <a:pPr algn="ctr"/>
+            <a:endParaRPr lang="en-GB" dirty="0">
+              <a:latin typeface="Times New Roman" panose="02020603050405020304" pitchFamily="18" charset="0"/>
+              <a:cs typeface="Times New Roman" panose="02020603050405020304" pitchFamily="18" charset="0"/>
+            </a:endParaRPr>
+          </a:p>
+        </p:txBody>
+      </p:sp>
+      <p:sp>
+        <p:nvSpPr>
+          <p:cNvPr id="43" name="Rectangle: Rounded Corners 42">
+            <a:extLst>
+              <a:ext uri="{FF2B5EF4-FFF2-40B4-BE49-F238E27FC236}">
+                <a16:creationId xmlns:a16="http://schemas.microsoft.com/office/drawing/2014/main" id="{46F74B84-F9C7-9D0C-7400-BE9E669D5E41}"/>
+              </a:ext>
+            </a:extLst>
+          </p:cNvPr>
+          <p:cNvSpPr/>
+          <p:nvPr/>
+        </p:nvSpPr>
+        <p:spPr>
+          <a:xfrm>
+            <a:off x="3723517" y="533400"/>
+            <a:ext cx="4078224" cy="3262842"/>
+          </a:xfrm>
+          <a:prstGeom prst="roundRect">
+            <a:avLst>
+              <a:gd name="adj" fmla="val 2528"/>
+            </a:avLst>
+          </a:prstGeom>
+          <a:ln w="28575">
+            <a:solidFill>
+              <a:schemeClr val="accent4">
+                <a:lumMod val="40000"/>
+                <a:lumOff val="60000"/>
+              </a:schemeClr>
+            </a:solidFill>
+          </a:ln>
         </p:spPr>
         <p:style>
           <a:lnRef idx="2">
@@ -3362,13 +3907,16 @@
           <a:lstStyle/>
           <a:p>
             <a:pPr algn="ctr"/>
-            <a:endParaRPr lang="en-GB"/>
-          </a:p>
-        </p:txBody>
-      </p:sp>
-      <p:sp>
-        <p:nvSpPr>
-          <p:cNvPr id="4" name="Rectangle 3">
+            <a:endParaRPr lang="en-GB">
+              <a:latin typeface="Times New Roman" panose="02020603050405020304" pitchFamily="18" charset="0"/>
+              <a:cs typeface="Times New Roman" panose="02020603050405020304" pitchFamily="18" charset="0"/>
+            </a:endParaRPr>
+          </a:p>
+        </p:txBody>
+      </p:sp>
+      <p:sp>
+        <p:nvSpPr>
+          <p:cNvPr id="4" name="Rectangle: Rounded Corners 3">
             <a:extLst>
               <a:ext uri="{FF2B5EF4-FFF2-40B4-BE49-F238E27FC236}">
                 <a16:creationId xmlns:a16="http://schemas.microsoft.com/office/drawing/2014/main" id="{ED673267-777E-0A62-AF6C-A9DBBB990B1A}"/>
@@ -3380,11 +3928,13 @@
         </p:nvSpPr>
         <p:spPr>
           <a:xfrm>
-            <a:off x="4868484" y="1170039"/>
-            <a:ext cx="1800000" cy="1012722"/>
+            <a:off x="4570410" y="1170039"/>
+            <a:ext cx="2384439" cy="1012722"/>
           </a:xfrm>
-          <a:prstGeom prst="rect">
-            <a:avLst/>
+          <a:prstGeom prst="roundRect">
+            <a:avLst>
+              <a:gd name="adj" fmla="val 7351"/>
+            </a:avLst>
           </a:prstGeom>
         </p:spPr>
         <p:style>
@@ -3406,16 +3956,16 @@
           <a:lstStyle/>
           <a:p>
             <a:pPr algn="ctr"/>
-            <a:r>
-              <a:rPr lang="en-GB" dirty="0"/>
-              <a:t>Policy</a:t>
-            </a:r>
-          </a:p>
-        </p:txBody>
-      </p:sp>
-      <p:sp>
-        <p:nvSpPr>
-          <p:cNvPr id="5" name="Rectangle 4">
+            <a:endParaRPr lang="en-GB" dirty="0">
+              <a:latin typeface="Times New Roman" panose="02020603050405020304" pitchFamily="18" charset="0"/>
+              <a:cs typeface="Times New Roman" panose="02020603050405020304" pitchFamily="18" charset="0"/>
+            </a:endParaRPr>
+          </a:p>
+        </p:txBody>
+      </p:sp>
+      <p:sp>
+        <p:nvSpPr>
+          <p:cNvPr id="5" name="Rectangle: Rounded Corners 4">
             <a:extLst>
               <a:ext uri="{FF2B5EF4-FFF2-40B4-BE49-F238E27FC236}">
                 <a16:creationId xmlns:a16="http://schemas.microsoft.com/office/drawing/2014/main" id="{D8FCADB8-32DB-99EB-7F06-57A930B4070B}"/>
@@ -3427,11 +3977,13 @@
         </p:nvSpPr>
         <p:spPr>
           <a:xfrm>
-            <a:off x="4868484" y="2865120"/>
+            <a:off x="4862629" y="2685481"/>
             <a:ext cx="1800000" cy="1012722"/>
           </a:xfrm>
-          <a:prstGeom prst="rect">
-            <a:avLst/>
+          <a:prstGeom prst="roundRect">
+            <a:avLst>
+              <a:gd name="adj" fmla="val 5918"/>
+            </a:avLst>
           </a:prstGeom>
         </p:spPr>
         <p:style>
@@ -3454,25 +4006,21 @@
           <a:p>
             <a:pPr algn="ctr"/>
             <a:r>
-              <a:rPr lang="en-GB" dirty="0"/>
-              <a:t>Reinforcement</a:t>
-            </a:r>
-          </a:p>
-          <a:p>
-            <a:pPr algn="ctr"/>
-            <a:r>
-              <a:rPr lang="en-GB" dirty="0"/>
-              <a:t>Learning</a:t>
-            </a:r>
-          </a:p>
-        </p:txBody>
-      </p:sp>
-      <p:sp>
-        <p:nvSpPr>
-          <p:cNvPr id="6" name="Rectangle 5">
-            <a:extLst>
-              <a:ext uri="{FF2B5EF4-FFF2-40B4-BE49-F238E27FC236}">
-                <a16:creationId xmlns:a16="http://schemas.microsoft.com/office/drawing/2014/main" id="{1200D03A-C787-F924-804B-8AB521B6BE36}"/>
+              <a:rPr lang="en-GB" dirty="0">
+                <a:latin typeface="Times New Roman" panose="02020603050405020304" pitchFamily="18" charset="0"/>
+                <a:cs typeface="Times New Roman" panose="02020603050405020304" pitchFamily="18" charset="0"/>
+              </a:rPr>
+              <a:t>Reinforcement Learning Algorithm</a:t>
+            </a:r>
+          </a:p>
+        </p:txBody>
+      </p:sp>
+      <p:sp>
+        <p:nvSpPr>
+          <p:cNvPr id="7" name="Rectangle: Rounded Corners 6">
+            <a:extLst>
+              <a:ext uri="{FF2B5EF4-FFF2-40B4-BE49-F238E27FC236}">
+                <a16:creationId xmlns:a16="http://schemas.microsoft.com/office/drawing/2014/main" id="{601BCD66-BB36-ED4B-CF9A-B95F0A88AD0B}"/>
               </a:ext>
             </a:extLst>
           </p:cNvPr>
@@ -3481,12 +4029,17 @@
         </p:nvSpPr>
         <p:spPr>
           <a:xfrm>
-            <a:off x="4868484" y="4560201"/>
-            <a:ext cx="1800000" cy="1012722"/>
+            <a:off x="1842634" y="2517489"/>
+            <a:ext cx="1440000" cy="1012722"/>
           </a:xfrm>
-          <a:prstGeom prst="rect">
-            <a:avLst/>
+          <a:prstGeom prst="roundRect">
+            <a:avLst>
+              <a:gd name="adj" fmla="val 10218"/>
+            </a:avLst>
           </a:prstGeom>
+          <a:ln>
+            <a:noFill/>
+          </a:ln>
         </p:spPr>
         <p:style>
           <a:lnRef idx="2">
@@ -3508,18 +4061,21 @@
           <a:p>
             <a:pPr algn="ctr"/>
             <a:r>
-              <a:rPr lang="en-GB" dirty="0"/>
-              <a:t>Environment</a:t>
-            </a:r>
-          </a:p>
-        </p:txBody>
-      </p:sp>
-      <p:sp>
-        <p:nvSpPr>
-          <p:cNvPr id="7" name="Rectangle 6">
-            <a:extLst>
-              <a:ext uri="{FF2B5EF4-FFF2-40B4-BE49-F238E27FC236}">
-                <a16:creationId xmlns:a16="http://schemas.microsoft.com/office/drawing/2014/main" id="{601BCD66-BB36-ED4B-CF9A-B95F0A88AD0B}"/>
+              <a:rPr lang="en-GB" sz="1600" dirty="0">
+                <a:latin typeface="Times New Roman" panose="02020603050405020304" pitchFamily="18" charset="0"/>
+                <a:cs typeface="Times New Roman" panose="02020603050405020304" pitchFamily="18" charset="0"/>
+              </a:rPr>
+              <a:t>Observations</a:t>
+            </a:r>
+          </a:p>
+        </p:txBody>
+      </p:sp>
+      <p:sp>
+        <p:nvSpPr>
+          <p:cNvPr id="8" name="Rectangle: Rounded Corners 7">
+            <a:extLst>
+              <a:ext uri="{FF2B5EF4-FFF2-40B4-BE49-F238E27FC236}">
+                <a16:creationId xmlns:a16="http://schemas.microsoft.com/office/drawing/2014/main" id="{892D9791-9EF3-F867-ECF4-91585BB2EEC5}"/>
               </a:ext>
             </a:extLst>
           </p:cNvPr>
@@ -3528,12 +4084,17 @@
         </p:nvSpPr>
         <p:spPr>
           <a:xfrm>
-            <a:off x="1728168" y="2865120"/>
+            <a:off x="7880662" y="2517489"/>
             <a:ext cx="1440000" cy="1012722"/>
           </a:xfrm>
-          <a:prstGeom prst="rect">
-            <a:avLst/>
+          <a:prstGeom prst="roundRect">
+            <a:avLst>
+              <a:gd name="adj" fmla="val 5918"/>
+            </a:avLst>
           </a:prstGeom>
+          <a:ln>
+            <a:noFill/>
+          </a:ln>
         </p:spPr>
         <p:style>
           <a:lnRef idx="2">
@@ -3555,18 +4116,21 @@
           <a:p>
             <a:pPr algn="ctr"/>
             <a:r>
-              <a:rPr lang="en-GB" sz="1600" dirty="0"/>
-              <a:t>Observations</a:t>
-            </a:r>
-          </a:p>
-        </p:txBody>
-      </p:sp>
-      <p:sp>
-        <p:nvSpPr>
-          <p:cNvPr id="8" name="Rectangle 7">
-            <a:extLst>
-              <a:ext uri="{FF2B5EF4-FFF2-40B4-BE49-F238E27FC236}">
-                <a16:creationId xmlns:a16="http://schemas.microsoft.com/office/drawing/2014/main" id="{892D9791-9EF3-F867-ECF4-91585BB2EEC5}"/>
+              <a:rPr lang="en-GB" sz="1600" dirty="0">
+                <a:latin typeface="Times New Roman" panose="02020603050405020304" pitchFamily="18" charset="0"/>
+                <a:cs typeface="Times New Roman" panose="02020603050405020304" pitchFamily="18" charset="0"/>
+              </a:rPr>
+              <a:t>Action</a:t>
+            </a:r>
+          </a:p>
+        </p:txBody>
+      </p:sp>
+      <p:sp>
+        <p:nvSpPr>
+          <p:cNvPr id="19" name="Rectangle: Rounded Corners 18">
+            <a:extLst>
+              <a:ext uri="{FF2B5EF4-FFF2-40B4-BE49-F238E27FC236}">
+                <a16:creationId xmlns:a16="http://schemas.microsoft.com/office/drawing/2014/main" id="{974ED296-7F56-D4AC-555B-B7EB68C9FD4B}"/>
               </a:ext>
             </a:extLst>
           </p:cNvPr>
@@ -3575,102 +4139,10 @@
         </p:nvSpPr>
         <p:spPr>
           <a:xfrm>
-            <a:off x="8468484" y="2922639"/>
-            <a:ext cx="1440000" cy="1012722"/>
+            <a:off x="4570113" y="540186"/>
+            <a:ext cx="2385030" cy="629853"/>
           </a:xfrm>
-          <a:prstGeom prst="rect">
-            <a:avLst/>
-          </a:prstGeom>
-        </p:spPr>
-        <p:style>
-          <a:lnRef idx="2">
-            <a:schemeClr val="dk1"/>
-          </a:lnRef>
-          <a:fillRef idx="1">
-            <a:schemeClr val="lt1"/>
-          </a:fillRef>
-          <a:effectRef idx="0">
-            <a:schemeClr val="dk1"/>
-          </a:effectRef>
-          <a:fontRef idx="minor">
-            <a:schemeClr val="dk1"/>
-          </a:fontRef>
-        </p:style>
-        <p:txBody>
-          <a:bodyPr rtlCol="0" anchor="ctr"/>
-          <a:lstStyle/>
-          <a:p>
-            <a:pPr algn="ctr"/>
-            <a:r>
-              <a:rPr lang="en-GB" sz="1600" dirty="0"/>
-              <a:t>Action</a:t>
-            </a:r>
-          </a:p>
-        </p:txBody>
-      </p:sp>
-      <p:cxnSp>
-        <p:nvCxnSpPr>
-          <p:cNvPr id="14" name="Connector: Elbow 13">
-            <a:extLst>
-              <a:ext uri="{FF2B5EF4-FFF2-40B4-BE49-F238E27FC236}">
-                <a16:creationId xmlns:a16="http://schemas.microsoft.com/office/drawing/2014/main" id="{C08EF4E6-9637-30D2-253E-7C3720364E5A}"/>
-              </a:ext>
-            </a:extLst>
-          </p:cNvPr>
-          <p:cNvCxnSpPr>
-            <a:cxnSpLocks/>
-            <a:stCxn id="6" idx="3"/>
-            <a:endCxn id="4" idx="3"/>
-          </p:cNvCxnSpPr>
-          <p:nvPr/>
-        </p:nvCxnSpPr>
-        <p:spPr>
-          <a:xfrm flipV="1">
-            <a:off x="6668484" y="1676400"/>
-            <a:ext cx="12700" cy="3390162"/>
-          </a:xfrm>
-          <a:prstGeom prst="bentConnector3">
-            <a:avLst>
-              <a:gd name="adj1" fmla="val 12312000"/>
-            </a:avLst>
-          </a:prstGeom>
-          <a:ln>
-            <a:tailEnd type="triangle"/>
-          </a:ln>
-        </p:spPr>
-        <p:style>
-          <a:lnRef idx="2">
-            <a:schemeClr val="accent1"/>
-          </a:lnRef>
-          <a:fillRef idx="0">
-            <a:schemeClr val="accent1"/>
-          </a:fillRef>
-          <a:effectRef idx="1">
-            <a:schemeClr val="accent1"/>
-          </a:effectRef>
-          <a:fontRef idx="minor">
-            <a:schemeClr val="tx1"/>
-          </a:fontRef>
-        </p:style>
-      </p:cxnSp>
-      <p:sp>
-        <p:nvSpPr>
-          <p:cNvPr id="19" name="Rectangle 18">
-            <a:extLst>
-              <a:ext uri="{FF2B5EF4-FFF2-40B4-BE49-F238E27FC236}">
-                <a16:creationId xmlns:a16="http://schemas.microsoft.com/office/drawing/2014/main" id="{974ED296-7F56-D4AC-555B-B7EB68C9FD4B}"/>
-              </a:ext>
-            </a:extLst>
-          </p:cNvPr>
-          <p:cNvSpPr/>
-          <p:nvPr/>
-        </p:nvSpPr>
-        <p:spPr>
-          <a:xfrm>
-            <a:off x="4881184" y="478440"/>
-            <a:ext cx="1800000" cy="629853"/>
-          </a:xfrm>
-          <a:prstGeom prst="rect">
+          <a:prstGeom prst="roundRect">
             <a:avLst/>
           </a:prstGeom>
           <a:noFill/>
@@ -3698,18 +4170,385 @@
           <a:p>
             <a:pPr algn="ctr"/>
             <a:r>
-              <a:rPr lang="en-GB" dirty="0"/>
-              <a:t>Agent</a:t>
-            </a:r>
-          </a:p>
-        </p:txBody>
-      </p:sp>
+              <a:rPr lang="en-GB" dirty="0">
+                <a:solidFill>
+                  <a:schemeClr val="tx2">
+                    <a:lumMod val="75000"/>
+                    <a:lumOff val="25000"/>
+                  </a:schemeClr>
+                </a:solidFill>
+                <a:latin typeface="Times New Roman" panose="02020603050405020304" pitchFamily="18" charset="0"/>
+                <a:cs typeface="Times New Roman" panose="02020603050405020304" pitchFamily="18" charset="0"/>
+              </a:rPr>
+              <a:t>Agent </a:t>
+            </a:r>
+          </a:p>
+          <a:p>
+            <a:pPr algn="ctr"/>
+            <a:r>
+              <a:rPr lang="en-GB" i="1" dirty="0">
+                <a:solidFill>
+                  <a:schemeClr val="tx2">
+                    <a:lumMod val="75000"/>
+                    <a:lumOff val="25000"/>
+                  </a:schemeClr>
+                </a:solidFill>
+                <a:latin typeface="Times New Roman" panose="02020603050405020304" pitchFamily="18" charset="0"/>
+                <a:cs typeface="Times New Roman" panose="02020603050405020304" pitchFamily="18" charset="0"/>
+              </a:rPr>
+              <a:t>Central Bank</a:t>
+            </a:r>
+          </a:p>
+        </p:txBody>
+      </p:sp>
+      <p:sp>
+        <p:nvSpPr>
+          <p:cNvPr id="13" name="Rectangle 12">
+            <a:extLst>
+              <a:ext uri="{FF2B5EF4-FFF2-40B4-BE49-F238E27FC236}">
+                <a16:creationId xmlns:a16="http://schemas.microsoft.com/office/drawing/2014/main" id="{BC2E08B9-1F41-067B-BD81-DD0D0F9C6B21}"/>
+              </a:ext>
+            </a:extLst>
+          </p:cNvPr>
+          <p:cNvSpPr/>
+          <p:nvPr/>
+        </p:nvSpPr>
+        <p:spPr>
+          <a:xfrm>
+            <a:off x="4724780" y="1408841"/>
+            <a:ext cx="2068281" cy="472803"/>
+          </a:xfrm>
+          <a:prstGeom prst="rect">
+            <a:avLst/>
+          </a:prstGeom>
+          <a:noFill/>
+          <a:ln>
+            <a:noFill/>
+          </a:ln>
+        </p:spPr>
+        <p:style>
+          <a:lnRef idx="0">
+            <a:scrgbClr r="0" g="0" b="0"/>
+          </a:lnRef>
+          <a:fillRef idx="0">
+            <a:scrgbClr r="0" g="0" b="0"/>
+          </a:fillRef>
+          <a:effectRef idx="0">
+            <a:scrgbClr r="0" g="0" b="0"/>
+          </a:effectRef>
+          <a:fontRef idx="minor">
+            <a:schemeClr val="dk1"/>
+          </a:fontRef>
+        </p:style>
+        <p:txBody>
+          <a:bodyPr rtlCol="0" anchor="ctr"/>
+          <a:lstStyle/>
+          <a:p>
+            <a:pPr algn="ctr"/>
+            <a:r>
+              <a:rPr lang="en-GB" i="1" dirty="0">
+                <a:latin typeface="Times New Roman" panose="02020603050405020304" pitchFamily="18" charset="0"/>
+                <a:cs typeface="Times New Roman" panose="02020603050405020304" pitchFamily="18" charset="0"/>
+              </a:rPr>
+              <a:t>Reaction function</a:t>
+            </a:r>
+          </a:p>
+        </p:txBody>
+      </p:sp>
+      <p:sp>
+        <p:nvSpPr>
+          <p:cNvPr id="16" name="TextBox 15">
+            <a:extLst>
+              <a:ext uri="{FF2B5EF4-FFF2-40B4-BE49-F238E27FC236}">
+                <a16:creationId xmlns:a16="http://schemas.microsoft.com/office/drawing/2014/main" id="{3F56902E-BF86-EAA5-ACA8-34BA54DDA970}"/>
+              </a:ext>
+            </a:extLst>
+          </p:cNvPr>
+          <p:cNvSpPr txBox="1"/>
+          <p:nvPr/>
+        </p:nvSpPr>
+        <p:spPr>
+          <a:xfrm>
+            <a:off x="4861729" y="1197634"/>
+            <a:ext cx="1800000" cy="369332"/>
+          </a:xfrm>
+          <a:prstGeom prst="rect">
+            <a:avLst/>
+          </a:prstGeom>
+          <a:noFill/>
+        </p:spPr>
+        <p:txBody>
+          <a:bodyPr wrap="square">
+            <a:spAutoFit/>
+          </a:bodyPr>
+          <a:lstStyle/>
+          <a:p>
+            <a:pPr algn="ctr"/>
+            <a:r>
+              <a:rPr lang="en-GB" dirty="0">
+                <a:latin typeface="Times New Roman" panose="02020603050405020304" pitchFamily="18" charset="0"/>
+                <a:cs typeface="Times New Roman" panose="02020603050405020304" pitchFamily="18" charset="0"/>
+              </a:rPr>
+              <a:t>Policy</a:t>
+            </a:r>
+            <a:endParaRPr lang="en-GB" dirty="0"/>
+          </a:p>
+        </p:txBody>
+      </p:sp>
+      <p:sp>
+        <p:nvSpPr>
+          <p:cNvPr id="17" name="TextBox 16">
+            <a:extLst>
+              <a:ext uri="{FF2B5EF4-FFF2-40B4-BE49-F238E27FC236}">
+                <a16:creationId xmlns:a16="http://schemas.microsoft.com/office/drawing/2014/main" id="{76BFF389-81CC-3984-125C-5E59EFDFA356}"/>
+              </a:ext>
+            </a:extLst>
+          </p:cNvPr>
+          <p:cNvSpPr txBox="1"/>
+          <p:nvPr/>
+        </p:nvSpPr>
+        <p:spPr>
+          <a:xfrm>
+            <a:off x="5784893" y="3782214"/>
+            <a:ext cx="1800000" cy="338554"/>
+          </a:xfrm>
+          <a:prstGeom prst="rect">
+            <a:avLst/>
+          </a:prstGeom>
+          <a:noFill/>
+        </p:spPr>
+        <p:txBody>
+          <a:bodyPr wrap="square">
+            <a:spAutoFit/>
+          </a:bodyPr>
+          <a:lstStyle/>
+          <a:p>
+            <a:r>
+              <a:rPr lang="en-GB" sz="1600" dirty="0">
+                <a:latin typeface="Times New Roman" panose="02020603050405020304" pitchFamily="18" charset="0"/>
+                <a:cs typeface="Times New Roman" panose="02020603050405020304" pitchFamily="18" charset="0"/>
+              </a:rPr>
+              <a:t>Reward</a:t>
+            </a:r>
+            <a:endParaRPr lang="en-GB" dirty="0"/>
+          </a:p>
+        </p:txBody>
+      </p:sp>
+      <p:sp>
+        <p:nvSpPr>
+          <p:cNvPr id="18" name="TextBox 17">
+            <a:extLst>
+              <a:ext uri="{FF2B5EF4-FFF2-40B4-BE49-F238E27FC236}">
+                <a16:creationId xmlns:a16="http://schemas.microsoft.com/office/drawing/2014/main" id="{F3CE2D37-1831-C913-D4D2-6E4169C2E3F5}"/>
+              </a:ext>
+            </a:extLst>
+          </p:cNvPr>
+          <p:cNvSpPr txBox="1"/>
+          <p:nvPr/>
+        </p:nvSpPr>
+        <p:spPr>
+          <a:xfrm>
+            <a:off x="5784893" y="2273523"/>
+            <a:ext cx="1800000" cy="369332"/>
+          </a:xfrm>
+          <a:prstGeom prst="rect">
+            <a:avLst/>
+          </a:prstGeom>
+          <a:noFill/>
+        </p:spPr>
+        <p:txBody>
+          <a:bodyPr wrap="square">
+            <a:spAutoFit/>
+          </a:bodyPr>
+          <a:lstStyle/>
+          <a:p>
+            <a:r>
+              <a:rPr lang="en-GB" sz="1600" dirty="0">
+                <a:latin typeface="Times New Roman" panose="02020603050405020304" pitchFamily="18" charset="0"/>
+                <a:cs typeface="Times New Roman" panose="02020603050405020304" pitchFamily="18" charset="0"/>
+              </a:rPr>
+              <a:t>Policy</a:t>
+            </a:r>
+            <a:r>
+              <a:rPr lang="en-GB" dirty="0">
+                <a:latin typeface="Times New Roman" panose="02020603050405020304" pitchFamily="18" charset="0"/>
+                <a:cs typeface="Times New Roman" panose="02020603050405020304" pitchFamily="18" charset="0"/>
+              </a:rPr>
+              <a:t> </a:t>
+            </a:r>
+            <a:r>
+              <a:rPr lang="en-GB" sz="1600" dirty="0">
+                <a:latin typeface="Times New Roman" panose="02020603050405020304" pitchFamily="18" charset="0"/>
+                <a:cs typeface="Times New Roman" panose="02020603050405020304" pitchFamily="18" charset="0"/>
+              </a:rPr>
+              <a:t>update</a:t>
+            </a:r>
+            <a:endParaRPr lang="en-GB" dirty="0"/>
+          </a:p>
+        </p:txBody>
+      </p:sp>
+      <p:pic>
+        <p:nvPicPr>
+          <p:cNvPr id="21" name="Picture 20">
+            <a:extLst>
+              <a:ext uri="{FF2B5EF4-FFF2-40B4-BE49-F238E27FC236}">
+                <a16:creationId xmlns:a16="http://schemas.microsoft.com/office/drawing/2014/main" id="{44C805FF-8EB4-7943-76FB-DFE4784E99A7}"/>
+              </a:ext>
+            </a:extLst>
+          </p:cNvPr>
+          <p:cNvPicPr>
+            <a:picLocks noChangeAspect="1"/>
+          </p:cNvPicPr>
+          <p:nvPr/>
+        </p:nvPicPr>
+        <p:blipFill>
+          <a:blip r:embed="rId2"/>
+          <a:srcRect t="24792" r="6126" b="-4159"/>
+          <a:stretch/>
+        </p:blipFill>
+        <p:spPr>
+          <a:xfrm>
+            <a:off x="1636399" y="3210095"/>
+            <a:ext cx="1739900" cy="368581"/>
+          </a:xfrm>
+          <a:prstGeom prst="rect">
+            <a:avLst/>
+          </a:prstGeom>
+        </p:spPr>
+      </p:pic>
+      <p:pic>
+        <p:nvPicPr>
+          <p:cNvPr id="23" name="Picture 22">
+            <a:extLst>
+              <a:ext uri="{FF2B5EF4-FFF2-40B4-BE49-F238E27FC236}">
+                <a16:creationId xmlns:a16="http://schemas.microsoft.com/office/drawing/2014/main" id="{15C20040-6FF8-C692-FEF4-235D2DB59283}"/>
+              </a:ext>
+            </a:extLst>
+          </p:cNvPr>
+          <p:cNvPicPr>
+            <a:picLocks noChangeAspect="1"/>
+          </p:cNvPicPr>
+          <p:nvPr/>
+        </p:nvPicPr>
+        <p:blipFill>
+          <a:blip r:embed="rId3"/>
+          <a:srcRect l="9337" t="29801" r="11217" b="20474"/>
+          <a:stretch/>
+        </p:blipFill>
+        <p:spPr>
+          <a:xfrm>
+            <a:off x="5057125" y="1815288"/>
+            <a:ext cx="1455533" cy="261614"/>
+          </a:xfrm>
+          <a:prstGeom prst="rect">
+            <a:avLst/>
+          </a:prstGeom>
+        </p:spPr>
+      </p:pic>
+      <p:pic>
+        <p:nvPicPr>
+          <p:cNvPr id="26" name="Picture 25">
+            <a:extLst>
+              <a:ext uri="{FF2B5EF4-FFF2-40B4-BE49-F238E27FC236}">
+                <a16:creationId xmlns:a16="http://schemas.microsoft.com/office/drawing/2014/main" id="{6557F601-89A2-D459-8429-3A3A5FAC30C6}"/>
+              </a:ext>
+            </a:extLst>
+          </p:cNvPr>
+          <p:cNvPicPr>
+            <a:picLocks noChangeAspect="1"/>
+          </p:cNvPicPr>
+          <p:nvPr/>
+        </p:nvPicPr>
+        <p:blipFill>
+          <a:blip r:embed="rId4"/>
+          <a:srcRect t="20403" b="16473"/>
+          <a:stretch/>
+        </p:blipFill>
+        <p:spPr>
+          <a:xfrm>
+            <a:off x="4356241" y="4600229"/>
+            <a:ext cx="3019609" cy="292896"/>
+          </a:xfrm>
+          <a:prstGeom prst="rect">
+            <a:avLst/>
+          </a:prstGeom>
+        </p:spPr>
+      </p:pic>
+      <p:sp>
+        <p:nvSpPr>
+          <p:cNvPr id="28" name="TextBox 27">
+            <a:extLst>
+              <a:ext uri="{FF2B5EF4-FFF2-40B4-BE49-F238E27FC236}">
+                <a16:creationId xmlns:a16="http://schemas.microsoft.com/office/drawing/2014/main" id="{748CB9E0-310D-0CB1-CB99-66FB154ACB6C}"/>
+              </a:ext>
+            </a:extLst>
+          </p:cNvPr>
+          <p:cNvSpPr txBox="1"/>
+          <p:nvPr/>
+        </p:nvSpPr>
+        <p:spPr>
+          <a:xfrm>
+            <a:off x="4597549" y="4234134"/>
+            <a:ext cx="2322743" cy="369332"/>
+          </a:xfrm>
+          <a:prstGeom prst="rect">
+            <a:avLst/>
+          </a:prstGeom>
+          <a:noFill/>
+        </p:spPr>
+        <p:txBody>
+          <a:bodyPr wrap="square">
+            <a:spAutoFit/>
+          </a:bodyPr>
+          <a:lstStyle/>
+          <a:p>
+            <a:pPr algn="ctr"/>
+            <a:r>
+              <a:rPr lang="en-GB" dirty="0">
+                <a:latin typeface="Times New Roman" panose="02020603050405020304" pitchFamily="18" charset="0"/>
+                <a:cs typeface="Times New Roman" panose="02020603050405020304" pitchFamily="18" charset="0"/>
+              </a:rPr>
+              <a:t>Environment</a:t>
+            </a:r>
+            <a:endParaRPr lang="en-GB" dirty="0"/>
+          </a:p>
+        </p:txBody>
+      </p:sp>
+      <p:pic>
+        <p:nvPicPr>
+          <p:cNvPr id="34" name="Picture 33">
+            <a:extLst>
+              <a:ext uri="{FF2B5EF4-FFF2-40B4-BE49-F238E27FC236}">
+                <a16:creationId xmlns:a16="http://schemas.microsoft.com/office/drawing/2014/main" id="{6BE2C5DF-F34B-8F16-2019-3A690C78DB4F}"/>
+              </a:ext>
+            </a:extLst>
+          </p:cNvPr>
+          <p:cNvPicPr>
+            <a:picLocks noChangeAspect="1"/>
+          </p:cNvPicPr>
+          <p:nvPr/>
+        </p:nvPicPr>
+        <p:blipFill>
+          <a:blip r:embed="rId3"/>
+          <a:srcRect l="9337" t="29801" r="76739" b="19410"/>
+          <a:stretch/>
+        </p:blipFill>
+        <p:spPr>
+          <a:xfrm>
+            <a:off x="8486424" y="3167997"/>
+            <a:ext cx="284511" cy="298015"/>
+          </a:xfrm>
+          <a:prstGeom prst="rect">
+            <a:avLst/>
+          </a:prstGeom>
+        </p:spPr>
+      </p:pic>
       <p:cxnSp>
         <p:nvCxnSpPr>
-          <p:cNvPr id="25" name="Connector: Elbow 24">
-            <a:extLst>
-              <a:ext uri="{FF2B5EF4-FFF2-40B4-BE49-F238E27FC236}">
-                <a16:creationId xmlns:a16="http://schemas.microsoft.com/office/drawing/2014/main" id="{13978A89-95A3-97F6-CDE3-65A9A974CFCE}"/>
+          <p:cNvPr id="77" name="Straight Arrow Connector 76">
+            <a:extLst>
+              <a:ext uri="{FF2B5EF4-FFF2-40B4-BE49-F238E27FC236}">
+                <a16:creationId xmlns:a16="http://schemas.microsoft.com/office/drawing/2014/main" id="{462F457A-F93B-D100-BD4B-8A3BD26FD8C4}"/>
               </a:ext>
             </a:extLst>
           </p:cNvPr>
@@ -3719,16 +4558,19 @@
           <p:nvPr/>
         </p:nvCxnSpPr>
         <p:spPr>
-          <a:xfrm flipH="1" flipV="1">
-            <a:off x="4855784" y="1676400"/>
-            <a:ext cx="12700" cy="3390162"/>
+          <a:xfrm flipV="1">
+            <a:off x="3428651" y="1662601"/>
+            <a:ext cx="1141462" cy="13799"/>
           </a:xfrm>
-          <a:prstGeom prst="bentConnector3">
-            <a:avLst>
-              <a:gd name="adj1" fmla="val 12312000"/>
-            </a:avLst>
+          <a:prstGeom prst="straightConnector1">
+            <a:avLst/>
           </a:prstGeom>
-          <a:ln>
+          <a:ln w="28575">
+            <a:solidFill>
+              <a:schemeClr val="bg1">
+                <a:lumMod val="65000"/>
+              </a:schemeClr>
+            </a:solidFill>
             <a:tailEnd type="triangle"/>
           </a:ln>
         </p:spPr>
@@ -3749,24 +4591,34 @@
       </p:cxnSp>
       <p:cxnSp>
         <p:nvCxnSpPr>
-          <p:cNvPr id="38" name="Straight Connector 37">
-            <a:extLst>
-              <a:ext uri="{FF2B5EF4-FFF2-40B4-BE49-F238E27FC236}">
-                <a16:creationId xmlns:a16="http://schemas.microsoft.com/office/drawing/2014/main" id="{820A2F5D-9593-DE7D-C144-CFC65CF2E14D}"/>
-              </a:ext>
-            </a:extLst>
-          </p:cNvPr>
-          <p:cNvCxnSpPr/>
+          <p:cNvPr id="79" name="Straight Connector 78">
+            <a:extLst>
+              <a:ext uri="{FF2B5EF4-FFF2-40B4-BE49-F238E27FC236}">
+                <a16:creationId xmlns:a16="http://schemas.microsoft.com/office/drawing/2014/main" id="{0F6CA09C-EAC7-7E3D-AC8A-35B77F9BFE64}"/>
+              </a:ext>
+            </a:extLst>
+          </p:cNvPr>
+          <p:cNvCxnSpPr>
+            <a:cxnSpLocks/>
+            <a:stCxn id="4" idx="3"/>
+          </p:cNvCxnSpPr>
           <p:nvPr/>
         </p:nvCxnSpPr>
         <p:spPr>
           <a:xfrm>
-            <a:off x="4151376" y="1676400"/>
-            <a:ext cx="0" cy="1695081"/>
+            <a:off x="6954849" y="1676400"/>
+            <a:ext cx="1121952" cy="0"/>
           </a:xfrm>
           <a:prstGeom prst="line">
             <a:avLst/>
           </a:prstGeom>
+          <a:ln w="28575">
+            <a:solidFill>
+              <a:schemeClr val="bg1">
+                <a:lumMod val="65000"/>
+              </a:schemeClr>
+            </a:solidFill>
+          </a:ln>
         </p:spPr>
         <p:style>
           <a:lnRef idx="2">
@@ -3785,27 +4637,33 @@
       </p:cxnSp>
       <p:cxnSp>
         <p:nvCxnSpPr>
-          <p:cNvPr id="40" name="Straight Arrow Connector 39">
-            <a:extLst>
-              <a:ext uri="{FF2B5EF4-FFF2-40B4-BE49-F238E27FC236}">
-                <a16:creationId xmlns:a16="http://schemas.microsoft.com/office/drawing/2014/main" id="{BF0C02F0-9198-61A4-F401-87ED3D78D690}"/>
+          <p:cNvPr id="85" name="Straight Arrow Connector 84">
+            <a:extLst>
+              <a:ext uri="{FF2B5EF4-FFF2-40B4-BE49-F238E27FC236}">
+                <a16:creationId xmlns:a16="http://schemas.microsoft.com/office/drawing/2014/main" id="{EAF5C773-3ACA-B370-0478-B32B097ED937}"/>
               </a:ext>
             </a:extLst>
           </p:cNvPr>
           <p:cNvCxnSpPr>
-            <a:endCxn id="5" idx="1"/>
+            <a:cxnSpLocks/>
+            <a:endCxn id="6" idx="3"/>
           </p:cNvCxnSpPr>
           <p:nvPr/>
         </p:nvCxnSpPr>
         <p:spPr>
-          <a:xfrm>
-            <a:off x="4151376" y="3371481"/>
-            <a:ext cx="717108" cy="0"/>
+          <a:xfrm flipH="1">
+            <a:off x="7435130" y="4586318"/>
+            <a:ext cx="641670" cy="0"/>
           </a:xfrm>
           <a:prstGeom prst="straightConnector1">
             <a:avLst/>
           </a:prstGeom>
-          <a:ln>
+          <a:ln w="28575">
+            <a:solidFill>
+              <a:schemeClr val="bg1">
+                <a:lumMod val="65000"/>
+              </a:schemeClr>
+            </a:solidFill>
             <a:tailEnd type="triangle"/>
           </a:ln>
         </p:spPr>
@@ -3826,26 +4684,34 @@
       </p:cxnSp>
       <p:cxnSp>
         <p:nvCxnSpPr>
-          <p:cNvPr id="41" name="Straight Connector 40">
-            <a:extLst>
-              <a:ext uri="{FF2B5EF4-FFF2-40B4-BE49-F238E27FC236}">
-                <a16:creationId xmlns:a16="http://schemas.microsoft.com/office/drawing/2014/main" id="{621CC202-0474-2AC2-8A55-B1761F4E1A40}"/>
+          <p:cNvPr id="87" name="Straight Connector 86">
+            <a:extLst>
+              <a:ext uri="{FF2B5EF4-FFF2-40B4-BE49-F238E27FC236}">
+                <a16:creationId xmlns:a16="http://schemas.microsoft.com/office/drawing/2014/main" id="{C8A290FC-8338-C7C7-93BF-3FD02932B181}"/>
               </a:ext>
             </a:extLst>
           </p:cNvPr>
           <p:cNvCxnSpPr>
             <a:cxnSpLocks/>
+            <a:stCxn id="6" idx="1"/>
           </p:cNvCxnSpPr>
           <p:nvPr/>
         </p:nvCxnSpPr>
         <p:spPr>
           <a:xfrm flipH="1">
-            <a:off x="7395244" y="1664601"/>
-            <a:ext cx="0" cy="1695081"/>
+            <a:off x="3428651" y="4586318"/>
+            <a:ext cx="661478" cy="0"/>
           </a:xfrm>
           <a:prstGeom prst="line">
             <a:avLst/>
           </a:prstGeom>
+          <a:ln w="28575">
+            <a:solidFill>
+              <a:schemeClr val="bg1">
+                <a:lumMod val="65000"/>
+              </a:schemeClr>
+            </a:solidFill>
+          </a:ln>
         </p:spPr>
         <p:style>
           <a:lnRef idx="2">
@@ -3864,10 +4730,331 @@
       </p:cxnSp>
       <p:cxnSp>
         <p:nvCxnSpPr>
-          <p:cNvPr id="42" name="Straight Arrow Connector 41">
-            <a:extLst>
-              <a:ext uri="{FF2B5EF4-FFF2-40B4-BE49-F238E27FC236}">
-                <a16:creationId xmlns:a16="http://schemas.microsoft.com/office/drawing/2014/main" id="{41455D92-654A-32C4-96E3-394DC8D2E813}"/>
+          <p:cNvPr id="92" name="Straight Connector 91">
+            <a:extLst>
+              <a:ext uri="{FF2B5EF4-FFF2-40B4-BE49-F238E27FC236}">
+                <a16:creationId xmlns:a16="http://schemas.microsoft.com/office/drawing/2014/main" id="{3367D25A-736B-41A1-FD38-0D506C268F66}"/>
+              </a:ext>
+            </a:extLst>
+          </p:cNvPr>
+          <p:cNvCxnSpPr>
+            <a:cxnSpLocks/>
+          </p:cNvCxnSpPr>
+          <p:nvPr/>
+        </p:nvCxnSpPr>
+        <p:spPr>
+          <a:xfrm flipV="1">
+            <a:off x="3428651" y="1676400"/>
+            <a:ext cx="0" cy="2909918"/>
+          </a:xfrm>
+          <a:prstGeom prst="line">
+            <a:avLst/>
+          </a:prstGeom>
+          <a:ln w="28575">
+            <a:solidFill>
+              <a:schemeClr val="bg1">
+                <a:lumMod val="65000"/>
+              </a:schemeClr>
+            </a:solidFill>
+          </a:ln>
+        </p:spPr>
+        <p:style>
+          <a:lnRef idx="2">
+            <a:schemeClr val="accent1"/>
+          </a:lnRef>
+          <a:fillRef idx="0">
+            <a:schemeClr val="accent1"/>
+          </a:fillRef>
+          <a:effectRef idx="1">
+            <a:schemeClr val="accent1"/>
+          </a:effectRef>
+          <a:fontRef idx="minor">
+            <a:schemeClr val="tx1"/>
+          </a:fontRef>
+        </p:style>
+      </p:cxnSp>
+      <p:cxnSp>
+        <p:nvCxnSpPr>
+          <p:cNvPr id="94" name="Straight Connector 93">
+            <a:extLst>
+              <a:ext uri="{FF2B5EF4-FFF2-40B4-BE49-F238E27FC236}">
+                <a16:creationId xmlns:a16="http://schemas.microsoft.com/office/drawing/2014/main" id="{D8E4E536-040A-8140-C614-3D6955628FAD}"/>
+              </a:ext>
+            </a:extLst>
+          </p:cNvPr>
+          <p:cNvCxnSpPr>
+            <a:cxnSpLocks/>
+          </p:cNvCxnSpPr>
+          <p:nvPr/>
+        </p:nvCxnSpPr>
+        <p:spPr>
+          <a:xfrm flipV="1">
+            <a:off x="8076800" y="1676400"/>
+            <a:ext cx="1" cy="2923829"/>
+          </a:xfrm>
+          <a:prstGeom prst="line">
+            <a:avLst/>
+          </a:prstGeom>
+          <a:ln w="28575">
+            <a:solidFill>
+              <a:schemeClr val="bg1">
+                <a:lumMod val="65000"/>
+              </a:schemeClr>
+            </a:solidFill>
+          </a:ln>
+        </p:spPr>
+        <p:style>
+          <a:lnRef idx="2">
+            <a:schemeClr val="accent1"/>
+          </a:lnRef>
+          <a:fillRef idx="0">
+            <a:schemeClr val="accent1"/>
+          </a:fillRef>
+          <a:effectRef idx="1">
+            <a:schemeClr val="accent1"/>
+          </a:effectRef>
+          <a:fontRef idx="minor">
+            <a:schemeClr val="tx1"/>
+          </a:fontRef>
+        </p:style>
+      </p:cxnSp>
+      <p:cxnSp>
+        <p:nvCxnSpPr>
+          <p:cNvPr id="98" name="Straight Arrow Connector 97">
+            <a:extLst>
+              <a:ext uri="{FF2B5EF4-FFF2-40B4-BE49-F238E27FC236}">
+                <a16:creationId xmlns:a16="http://schemas.microsoft.com/office/drawing/2014/main" id="{A64F144E-E1DD-8596-7BE5-D7845E224D71}"/>
+              </a:ext>
+            </a:extLst>
+          </p:cNvPr>
+          <p:cNvCxnSpPr>
+            <a:cxnSpLocks/>
+            <a:stCxn id="6" idx="0"/>
+            <a:endCxn id="43" idx="2"/>
+          </p:cNvCxnSpPr>
+          <p:nvPr/>
+        </p:nvCxnSpPr>
+        <p:spPr>
+          <a:xfrm flipH="1" flipV="1">
+            <a:off x="5762629" y="3796242"/>
+            <a:ext cx="1" cy="374408"/>
+          </a:xfrm>
+          <a:prstGeom prst="straightConnector1">
+            <a:avLst/>
+          </a:prstGeom>
+          <a:ln w="28575">
+            <a:solidFill>
+              <a:schemeClr val="bg1">
+                <a:lumMod val="65000"/>
+              </a:schemeClr>
+            </a:solidFill>
+            <a:tailEnd type="triangle"/>
+          </a:ln>
+        </p:spPr>
+        <p:style>
+          <a:lnRef idx="2">
+            <a:schemeClr val="accent1"/>
+          </a:lnRef>
+          <a:fillRef idx="0">
+            <a:schemeClr val="accent1"/>
+          </a:fillRef>
+          <a:effectRef idx="1">
+            <a:schemeClr val="accent1"/>
+          </a:effectRef>
+          <a:fontRef idx="minor">
+            <a:schemeClr val="tx1"/>
+          </a:fontRef>
+        </p:style>
+      </p:cxnSp>
+      <p:cxnSp>
+        <p:nvCxnSpPr>
+          <p:cNvPr id="100" name="Straight Arrow Connector 99">
+            <a:extLst>
+              <a:ext uri="{FF2B5EF4-FFF2-40B4-BE49-F238E27FC236}">
+                <a16:creationId xmlns:a16="http://schemas.microsoft.com/office/drawing/2014/main" id="{7A65B4D6-1B93-2BDD-FC87-59C7CDBF6EE5}"/>
+              </a:ext>
+            </a:extLst>
+          </p:cNvPr>
+          <p:cNvCxnSpPr>
+            <a:stCxn id="5" idx="0"/>
+            <a:endCxn id="4" idx="2"/>
+          </p:cNvCxnSpPr>
+          <p:nvPr/>
+        </p:nvCxnSpPr>
+        <p:spPr>
+          <a:xfrm flipV="1">
+            <a:off x="5762629" y="2182761"/>
+            <a:ext cx="0" cy="502720"/>
+          </a:xfrm>
+          <a:prstGeom prst="straightConnector1">
+            <a:avLst/>
+          </a:prstGeom>
+          <a:ln w="28575">
+            <a:solidFill>
+              <a:schemeClr val="bg1">
+                <a:lumMod val="65000"/>
+              </a:schemeClr>
+            </a:solidFill>
+            <a:tailEnd type="triangle"/>
+          </a:ln>
+        </p:spPr>
+        <p:style>
+          <a:lnRef idx="2">
+            <a:schemeClr val="accent1"/>
+          </a:lnRef>
+          <a:fillRef idx="0">
+            <a:schemeClr val="accent1"/>
+          </a:fillRef>
+          <a:effectRef idx="1">
+            <a:schemeClr val="accent1"/>
+          </a:effectRef>
+          <a:fontRef idx="minor">
+            <a:schemeClr val="tx1"/>
+          </a:fontRef>
+        </p:style>
+      </p:cxnSp>
+      <p:cxnSp>
+        <p:nvCxnSpPr>
+          <p:cNvPr id="9" name="Straight Connector 8">
+            <a:extLst>
+              <a:ext uri="{FF2B5EF4-FFF2-40B4-BE49-F238E27FC236}">
+                <a16:creationId xmlns:a16="http://schemas.microsoft.com/office/drawing/2014/main" id="{6F6E2767-FBDE-0F6E-BE52-3E7B5B48892D}"/>
+              </a:ext>
+            </a:extLst>
+          </p:cNvPr>
+          <p:cNvCxnSpPr>
+            <a:cxnSpLocks/>
+          </p:cNvCxnSpPr>
+          <p:nvPr/>
+        </p:nvCxnSpPr>
+        <p:spPr>
+          <a:xfrm flipV="1">
+            <a:off x="4090129" y="1662601"/>
+            <a:ext cx="0" cy="1538367"/>
+          </a:xfrm>
+          <a:prstGeom prst="line">
+            <a:avLst/>
+          </a:prstGeom>
+          <a:ln w="28575">
+            <a:solidFill>
+              <a:schemeClr val="bg1">
+                <a:lumMod val="75000"/>
+              </a:schemeClr>
+            </a:solidFill>
+          </a:ln>
+        </p:spPr>
+        <p:style>
+          <a:lnRef idx="2">
+            <a:schemeClr val="accent1"/>
+          </a:lnRef>
+          <a:fillRef idx="0">
+            <a:schemeClr val="accent1"/>
+          </a:fillRef>
+          <a:effectRef idx="1">
+            <a:schemeClr val="accent1"/>
+          </a:effectRef>
+          <a:fontRef idx="minor">
+            <a:schemeClr val="tx1"/>
+          </a:fontRef>
+        </p:style>
+      </p:cxnSp>
+      <p:cxnSp>
+        <p:nvCxnSpPr>
+          <p:cNvPr id="12" name="Straight Arrow Connector 11">
+            <a:extLst>
+              <a:ext uri="{FF2B5EF4-FFF2-40B4-BE49-F238E27FC236}">
+                <a16:creationId xmlns:a16="http://schemas.microsoft.com/office/drawing/2014/main" id="{DC508102-D728-B14D-9ECC-0234630EB2E2}"/>
+              </a:ext>
+            </a:extLst>
+          </p:cNvPr>
+          <p:cNvCxnSpPr>
+            <a:cxnSpLocks/>
+          </p:cNvCxnSpPr>
+          <p:nvPr/>
+        </p:nvCxnSpPr>
+        <p:spPr>
+          <a:xfrm>
+            <a:off x="4090129" y="3200968"/>
+            <a:ext cx="772500" cy="0"/>
+          </a:xfrm>
+          <a:prstGeom prst="straightConnector1">
+            <a:avLst/>
+          </a:prstGeom>
+          <a:ln w="28575">
+            <a:solidFill>
+              <a:schemeClr val="bg1">
+                <a:lumMod val="75000"/>
+              </a:schemeClr>
+            </a:solidFill>
+            <a:tailEnd type="triangle"/>
+          </a:ln>
+        </p:spPr>
+        <p:style>
+          <a:lnRef idx="2">
+            <a:schemeClr val="accent1"/>
+          </a:lnRef>
+          <a:fillRef idx="0">
+            <a:schemeClr val="accent1"/>
+          </a:fillRef>
+          <a:effectRef idx="1">
+            <a:schemeClr val="accent1"/>
+          </a:effectRef>
+          <a:fontRef idx="minor">
+            <a:schemeClr val="tx1"/>
+          </a:fontRef>
+        </p:style>
+      </p:cxnSp>
+      <p:cxnSp>
+        <p:nvCxnSpPr>
+          <p:cNvPr id="20" name="Straight Connector 19">
+            <a:extLst>
+              <a:ext uri="{FF2B5EF4-FFF2-40B4-BE49-F238E27FC236}">
+                <a16:creationId xmlns:a16="http://schemas.microsoft.com/office/drawing/2014/main" id="{BE0DF034-FB93-90D5-7A73-B376F3CA1F0E}"/>
+              </a:ext>
+            </a:extLst>
+          </p:cNvPr>
+          <p:cNvCxnSpPr>
+            <a:cxnSpLocks/>
+          </p:cNvCxnSpPr>
+          <p:nvPr/>
+        </p:nvCxnSpPr>
+        <p:spPr>
+          <a:xfrm flipV="1">
+            <a:off x="7434892" y="1662601"/>
+            <a:ext cx="0" cy="1538367"/>
+          </a:xfrm>
+          <a:prstGeom prst="line">
+            <a:avLst/>
+          </a:prstGeom>
+          <a:ln w="28575">
+            <a:solidFill>
+              <a:schemeClr val="bg1">
+                <a:lumMod val="75000"/>
+              </a:schemeClr>
+            </a:solidFill>
+          </a:ln>
+        </p:spPr>
+        <p:style>
+          <a:lnRef idx="2">
+            <a:schemeClr val="accent1"/>
+          </a:lnRef>
+          <a:fillRef idx="0">
+            <a:schemeClr val="accent1"/>
+          </a:fillRef>
+          <a:effectRef idx="1">
+            <a:schemeClr val="accent1"/>
+          </a:effectRef>
+          <a:fontRef idx="minor">
+            <a:schemeClr val="tx1"/>
+          </a:fontRef>
+        </p:style>
+      </p:cxnSp>
+      <p:cxnSp>
+        <p:nvCxnSpPr>
+          <p:cNvPr id="22" name="Straight Arrow Connector 21">
+            <a:extLst>
+              <a:ext uri="{FF2B5EF4-FFF2-40B4-BE49-F238E27FC236}">
+                <a16:creationId xmlns:a16="http://schemas.microsoft.com/office/drawing/2014/main" id="{E4B7E3EF-05E2-D03E-742C-51338F2AA9B0}"/>
               </a:ext>
             </a:extLst>
           </p:cNvPr>
@@ -3878,13 +5065,18 @@
         </p:nvCxnSpPr>
         <p:spPr>
           <a:xfrm flipH="1">
-            <a:off x="6681184" y="3359682"/>
-            <a:ext cx="717108" cy="0"/>
+            <a:off x="6676177" y="3200968"/>
+            <a:ext cx="772500" cy="0"/>
           </a:xfrm>
           <a:prstGeom prst="straightConnector1">
             <a:avLst/>
           </a:prstGeom>
-          <a:ln>
+          <a:ln w="28575">
+            <a:solidFill>
+              <a:schemeClr val="bg1">
+                <a:lumMod val="75000"/>
+              </a:schemeClr>
+            </a:solidFill>
             <a:tailEnd type="triangle"/>
           </a:ln>
         </p:spPr>
